--- a/supp/Publication/images/RawPPT/2010-IROS-DepthMap.pptx
+++ b/supp/Publication/images/RawPPT/2010-IROS-DepthMap.pptx
@@ -9,7 +9,7 @@
     <p:sldId id="259" r:id="rId3"/>
     <p:sldId id="257" r:id="rId4"/>
   </p:sldIdLst>
-  <p:sldSz cx="14400213" cy="7199313"/>
+  <p:sldSz cx="12239625" cy="7199313"/>
   <p:notesSz cx="6858000" cy="9144000"/>
   <p:defaultTextStyle>
     <a:defPPr>
@@ -114,7 +114,7 @@
             <a:srgbClr val="A4A3A4"/>
           </p15:clr>
         </p15:guide>
-        <p15:guide id="2" pos="4536" userDrawn="1">
+        <p15:guide id="2" pos="3855" userDrawn="1">
           <p15:clr>
             <a:srgbClr val="A4A3A4"/>
           </p15:clr>
@@ -154,8 +154,8 @@
         </p:nvSpPr>
         <p:spPr>
           <a:xfrm>
-            <a:off x="1080017" y="2236454"/>
-            <a:ext cx="12240181" cy="1543186"/>
+            <a:off x="917974" y="2236454"/>
+            <a:ext cx="10403681" cy="1543186"/>
           </a:xfrm>
         </p:spPr>
         <p:txBody>
@@ -181,8 +181,8 @@
         </p:nvSpPr>
         <p:spPr>
           <a:xfrm>
-            <a:off x="2160032" y="4079611"/>
-            <a:ext cx="10080149" cy="1839824"/>
+            <a:off x="1835944" y="4079611"/>
+            <a:ext cx="8567738" cy="1839824"/>
           </a:xfrm>
         </p:spPr>
         <p:txBody>
@@ -305,7 +305,7 @@
             <a:fld id="{1D8BD707-D9CF-40AE-B4C6-C98DA3205C09}" type="datetimeFigureOut">
               <a:rPr lang="en-US" smtClean="0"/>
               <a:pPr/>
-              <a:t>10/6/20</a:t>
+              <a:t>11/18/20</a:t>
             </a:fld>
             <a:endParaRPr lang="en-US"/>
           </a:p>
@@ -470,7 +470,7 @@
             <a:fld id="{1D8BD707-D9CF-40AE-B4C6-C98DA3205C09}" type="datetimeFigureOut">
               <a:rPr lang="en-US" smtClean="0"/>
               <a:pPr/>
-              <a:t>10/6/20</a:t>
+              <a:t>11/18/20</a:t>
             </a:fld>
             <a:endParaRPr lang="en-US"/>
           </a:p>
@@ -556,8 +556,8 @@
         </p:nvSpPr>
         <p:spPr>
           <a:xfrm>
-            <a:off x="10440154" y="288307"/>
-            <a:ext cx="3240048" cy="6142747"/>
+            <a:off x="8873728" y="288310"/>
+            <a:ext cx="2753916" cy="6142747"/>
           </a:xfrm>
         </p:spPr>
         <p:txBody>
@@ -583,8 +583,8 @@
         </p:nvSpPr>
         <p:spPr>
           <a:xfrm>
-            <a:off x="720010" y="288307"/>
-            <a:ext cx="9480141" cy="6142747"/>
+            <a:off x="611981" y="288310"/>
+            <a:ext cx="8057754" cy="6142747"/>
           </a:xfrm>
         </p:spPr>
         <p:txBody>
@@ -645,7 +645,7 @@
             <a:fld id="{1D8BD707-D9CF-40AE-B4C6-C98DA3205C09}" type="datetimeFigureOut">
               <a:rPr lang="en-US" smtClean="0"/>
               <a:pPr/>
-              <a:t>10/6/20</a:t>
+              <a:t>11/18/20</a:t>
             </a:fld>
             <a:endParaRPr lang="en-US"/>
           </a:p>
@@ -810,7 +810,7 @@
             <a:fld id="{1D8BD707-D9CF-40AE-B4C6-C98DA3205C09}" type="datetimeFigureOut">
               <a:rPr lang="en-US" smtClean="0"/>
               <a:pPr/>
-              <a:t>10/6/20</a:t>
+              <a:t>11/18/20</a:t>
             </a:fld>
             <a:endParaRPr lang="en-US"/>
           </a:p>
@@ -896,8 +896,8 @@
         </p:nvSpPr>
         <p:spPr>
           <a:xfrm>
-            <a:off x="1137518" y="4626226"/>
-            <a:ext cx="12240181" cy="1429864"/>
+            <a:off x="966848" y="4626226"/>
+            <a:ext cx="10403681" cy="1429864"/>
           </a:xfrm>
         </p:spPr>
         <p:txBody>
@@ -927,8 +927,8 @@
         </p:nvSpPr>
         <p:spPr>
           <a:xfrm>
-            <a:off x="1137518" y="3051377"/>
-            <a:ext cx="12240181" cy="1574849"/>
+            <a:off x="966848" y="3051380"/>
+            <a:ext cx="10403681" cy="1574849"/>
           </a:xfrm>
         </p:spPr>
         <p:txBody>
@@ -1052,7 +1052,7 @@
             <a:fld id="{1D8BD707-D9CF-40AE-B4C6-C98DA3205C09}" type="datetimeFigureOut">
               <a:rPr lang="en-US" smtClean="0"/>
               <a:pPr/>
-              <a:t>10/6/20</a:t>
+              <a:t>11/18/20</a:t>
             </a:fld>
             <a:endParaRPr lang="en-US"/>
           </a:p>
@@ -1160,8 +1160,8 @@
         </p:nvSpPr>
         <p:spPr>
           <a:xfrm>
-            <a:off x="720011" y="1679840"/>
-            <a:ext cx="6360094" cy="4751214"/>
+            <a:off x="611983" y="1679840"/>
+            <a:ext cx="5405833" cy="4751214"/>
           </a:xfrm>
         </p:spPr>
         <p:txBody>
@@ -1244,8 +1244,8 @@
         </p:nvSpPr>
         <p:spPr>
           <a:xfrm>
-            <a:off x="7320108" y="1679840"/>
-            <a:ext cx="6360094" cy="4751214"/>
+            <a:off x="6221811" y="1679840"/>
+            <a:ext cx="5405833" cy="4751214"/>
           </a:xfrm>
         </p:spPr>
         <p:txBody>
@@ -1334,7 +1334,7 @@
             <a:fld id="{1D8BD707-D9CF-40AE-B4C6-C98DA3205C09}" type="datetimeFigureOut">
               <a:rPr lang="en-US" smtClean="0"/>
               <a:pPr/>
-              <a:t>10/6/20</a:t>
+              <a:t>11/18/20</a:t>
             </a:fld>
             <a:endParaRPr lang="en-US"/>
           </a:p>
@@ -1446,8 +1446,8 @@
         </p:nvSpPr>
         <p:spPr>
           <a:xfrm>
-            <a:off x="720011" y="1611513"/>
-            <a:ext cx="6362595" cy="671602"/>
+            <a:off x="611982" y="1611513"/>
+            <a:ext cx="5407960" cy="671602"/>
           </a:xfrm>
         </p:spPr>
         <p:txBody>
@@ -1511,8 +1511,8 @@
         </p:nvSpPr>
         <p:spPr>
           <a:xfrm>
-            <a:off x="720011" y="2283116"/>
-            <a:ext cx="6362595" cy="4147938"/>
+            <a:off x="611982" y="2283116"/>
+            <a:ext cx="5407960" cy="4147938"/>
           </a:xfrm>
         </p:spPr>
         <p:txBody>
@@ -1595,8 +1595,8 @@
         </p:nvSpPr>
         <p:spPr>
           <a:xfrm>
-            <a:off x="7315109" y="1611513"/>
-            <a:ext cx="6365094" cy="671602"/>
+            <a:off x="6217560" y="1611513"/>
+            <a:ext cx="5410085" cy="671602"/>
           </a:xfrm>
         </p:spPr>
         <p:txBody>
@@ -1660,8 +1660,8 @@
         </p:nvSpPr>
         <p:spPr>
           <a:xfrm>
-            <a:off x="7315109" y="2283116"/>
-            <a:ext cx="6365094" cy="4147938"/>
+            <a:off x="6217560" y="2283116"/>
+            <a:ext cx="5410085" cy="4147938"/>
           </a:xfrm>
         </p:spPr>
         <p:txBody>
@@ -1750,7 +1750,7 @@
             <a:fld id="{1D8BD707-D9CF-40AE-B4C6-C98DA3205C09}" type="datetimeFigureOut">
               <a:rPr lang="en-US" smtClean="0"/>
               <a:pPr/>
-              <a:t>10/6/20</a:t>
+              <a:t>11/18/20</a:t>
             </a:fld>
             <a:endParaRPr lang="en-US"/>
           </a:p>
@@ -1864,7 +1864,7 @@
             <a:fld id="{1D8BD707-D9CF-40AE-B4C6-C98DA3205C09}" type="datetimeFigureOut">
               <a:rPr lang="en-US" smtClean="0"/>
               <a:pPr/>
-              <a:t>10/6/20</a:t>
+              <a:t>11/18/20</a:t>
             </a:fld>
             <a:endParaRPr lang="en-US"/>
           </a:p>
@@ -1956,7 +1956,7 @@
             <a:fld id="{1D8BD707-D9CF-40AE-B4C6-C98DA3205C09}" type="datetimeFigureOut">
               <a:rPr lang="en-US" smtClean="0"/>
               <a:pPr/>
-              <a:t>10/6/20</a:t>
+              <a:t>11/18/20</a:t>
             </a:fld>
             <a:endParaRPr lang="en-US"/>
           </a:p>
@@ -2042,8 +2042,8 @@
         </p:nvSpPr>
         <p:spPr>
           <a:xfrm>
-            <a:off x="720011" y="286639"/>
-            <a:ext cx="4737571" cy="1219884"/>
+            <a:off x="611983" y="286639"/>
+            <a:ext cx="4026752" cy="1219884"/>
           </a:xfrm>
         </p:spPr>
         <p:txBody>
@@ -2073,8 +2073,8 @@
         </p:nvSpPr>
         <p:spPr>
           <a:xfrm>
-            <a:off x="5630084" y="286640"/>
-            <a:ext cx="8050119" cy="6144414"/>
+            <a:off x="4785356" y="286640"/>
+            <a:ext cx="6842290" cy="6144414"/>
           </a:xfrm>
         </p:spPr>
         <p:txBody>
@@ -2157,8 +2157,8 @@
         </p:nvSpPr>
         <p:spPr>
           <a:xfrm>
-            <a:off x="720011" y="1506524"/>
-            <a:ext cx="4737571" cy="4924530"/>
+            <a:off x="611983" y="1506524"/>
+            <a:ext cx="4026752" cy="4924530"/>
           </a:xfrm>
         </p:spPr>
         <p:txBody>
@@ -2228,7 +2228,7 @@
             <a:fld id="{1D8BD707-D9CF-40AE-B4C6-C98DA3205C09}" type="datetimeFigureOut">
               <a:rPr lang="en-US" smtClean="0"/>
               <a:pPr/>
-              <a:t>10/6/20</a:t>
+              <a:t>11/18/20</a:t>
             </a:fld>
             <a:endParaRPr lang="en-US"/>
           </a:p>
@@ -2314,8 +2314,8 @@
         </p:nvSpPr>
         <p:spPr>
           <a:xfrm>
-            <a:off x="2822542" y="5039519"/>
-            <a:ext cx="8640128" cy="594944"/>
+            <a:off x="2399053" y="5039519"/>
+            <a:ext cx="7343775" cy="594944"/>
           </a:xfrm>
         </p:spPr>
         <p:txBody>
@@ -2345,8 +2345,8 @@
         </p:nvSpPr>
         <p:spPr>
           <a:xfrm>
-            <a:off x="2822542" y="643272"/>
-            <a:ext cx="8640128" cy="4319588"/>
+            <a:off x="2399053" y="643272"/>
+            <a:ext cx="7343775" cy="4319588"/>
           </a:xfrm>
         </p:spPr>
         <p:txBody>
@@ -2406,8 +2406,8 @@
         </p:nvSpPr>
         <p:spPr>
           <a:xfrm>
-            <a:off x="2822542" y="5634463"/>
-            <a:ext cx="8640128" cy="844919"/>
+            <a:off x="2399053" y="5634466"/>
+            <a:ext cx="7343775" cy="844919"/>
           </a:xfrm>
         </p:spPr>
         <p:txBody>
@@ -2477,7 +2477,7 @@
             <a:fld id="{1D8BD707-D9CF-40AE-B4C6-C98DA3205C09}" type="datetimeFigureOut">
               <a:rPr lang="en-US" smtClean="0"/>
               <a:pPr/>
-              <a:t>10/6/20</a:t>
+              <a:t>11/18/20</a:t>
             </a:fld>
             <a:endParaRPr lang="en-US"/>
           </a:p>
@@ -2568,8 +2568,8 @@
         </p:nvSpPr>
         <p:spPr>
           <a:xfrm>
-            <a:off x="720011" y="288306"/>
-            <a:ext cx="12960192" cy="1199886"/>
+            <a:off x="611983" y="288306"/>
+            <a:ext cx="11015662" cy="1199886"/>
           </a:xfrm>
           <a:prstGeom prst="rect">
             <a:avLst/>
@@ -2600,8 +2600,8 @@
         </p:nvSpPr>
         <p:spPr>
           <a:xfrm>
-            <a:off x="720011" y="1679840"/>
-            <a:ext cx="12960192" cy="4751214"/>
+            <a:off x="611983" y="1679840"/>
+            <a:ext cx="11015662" cy="4751214"/>
           </a:xfrm>
           <a:prstGeom prst="rect">
             <a:avLst/>
@@ -2661,8 +2661,8 @@
         </p:nvSpPr>
         <p:spPr>
           <a:xfrm>
-            <a:off x="720011" y="6672697"/>
-            <a:ext cx="3360050" cy="383297"/>
+            <a:off x="611981" y="6672700"/>
+            <a:ext cx="2855913" cy="383297"/>
           </a:xfrm>
           <a:prstGeom prst="rect">
             <a:avLst/>
@@ -2685,7 +2685,7 @@
             <a:fld id="{1D8BD707-D9CF-40AE-B4C6-C98DA3205C09}" type="datetimeFigureOut">
               <a:rPr lang="en-US" smtClean="0"/>
               <a:pPr/>
-              <a:t>10/6/20</a:t>
+              <a:t>11/18/20</a:t>
             </a:fld>
             <a:endParaRPr lang="en-US"/>
           </a:p>
@@ -2703,8 +2703,8 @@
         </p:nvSpPr>
         <p:spPr>
           <a:xfrm>
-            <a:off x="4920074" y="6672697"/>
-            <a:ext cx="4560067" cy="383297"/>
+            <a:off x="4181873" y="6672700"/>
+            <a:ext cx="3875881" cy="383297"/>
           </a:xfrm>
           <a:prstGeom prst="rect">
             <a:avLst/>
@@ -2740,8 +2740,8 @@
         </p:nvSpPr>
         <p:spPr>
           <a:xfrm>
-            <a:off x="10320153" y="6672697"/>
-            <a:ext cx="3360050" cy="383297"/>
+            <a:off x="8771731" y="6672700"/>
+            <a:ext cx="2855913" cy="383297"/>
           </a:xfrm>
           <a:prstGeom prst="rect">
             <a:avLst/>
@@ -3070,7 +3070,7 @@
         </p:nvGrpSpPr>
         <p:grpSpPr>
           <a:xfrm>
-            <a:off x="1897143" y="-344"/>
+            <a:off x="938212" y="-344"/>
             <a:ext cx="10605926" cy="7200000"/>
             <a:chOff x="1928180" y="-344"/>
             <a:chExt cx="10605926" cy="7200000"/>
@@ -3294,7 +3294,7 @@
         </p:blipFill>
         <p:spPr bwMode="auto">
           <a:xfrm>
-            <a:off x="3377406" y="1618456"/>
+            <a:off x="2297115" y="1618456"/>
             <a:ext cx="2198687" cy="4678362"/>
           </a:xfrm>
           <a:prstGeom prst="rect">
@@ -3341,7 +3341,7 @@
         </p:blipFill>
         <p:spPr bwMode="auto">
           <a:xfrm>
-            <a:off x="9257506" y="1618456"/>
+            <a:off x="8177215" y="1618456"/>
             <a:ext cx="1849437" cy="4678362"/>
           </a:xfrm>
           <a:prstGeom prst="rect">
@@ -3388,7 +3388,7 @@
         </p:blipFill>
         <p:spPr bwMode="auto">
           <a:xfrm>
-            <a:off x="7422356" y="1618456"/>
+            <a:off x="6342065" y="1618456"/>
             <a:ext cx="1844675" cy="4678362"/>
           </a:xfrm>
           <a:prstGeom prst="rect">
@@ -3435,7 +3435,7 @@
         </p:blipFill>
         <p:spPr bwMode="auto">
           <a:xfrm>
-            <a:off x="5569743" y="1618456"/>
+            <a:off x="4489452" y="1618456"/>
             <a:ext cx="1844675" cy="4678362"/>
           </a:xfrm>
           <a:prstGeom prst="rect">
@@ -3499,7 +3499,7 @@
         </p:nvGrpSpPr>
         <p:grpSpPr>
           <a:xfrm>
-            <a:off x="600890" y="-344"/>
+            <a:off x="-479404" y="-344"/>
             <a:ext cx="13198432" cy="7200000"/>
             <a:chOff x="-907574" y="-1458944"/>
             <a:chExt cx="15907080" cy="8677620"/>
